--- a/images/experimental_results.pptx
+++ b/images/experimental_results.pptx
@@ -2,18 +2,18 @@
 <file path=ppt/presentation.xml><?xml version="1.0" encoding="utf-8"?>
 <p:presentation xmlns:a="http://schemas.openxmlformats.org/drawingml/2006/main" xmlns:r="http://schemas.openxmlformats.org/officeDocument/2006/relationships" xmlns:p="http://schemas.openxmlformats.org/presentationml/2006/main" saveSubsetFonts="1">
   <p:sldMasterIdLst>
-    <p:sldMasterId id="2147483648" r:id="rId1"/>
+    <p:sldMasterId id="2147483660" r:id="rId1"/>
   </p:sldMasterIdLst>
   <p:sldIdLst>
     <p:sldId id="256" r:id="rId2"/>
   </p:sldIdLst>
-  <p:sldSz cx="12192000" cy="6858000"/>
+  <p:sldSz cx="13679488" cy="6858000"/>
   <p:notesSz cx="6858000" cy="9144000"/>
   <p:defaultTextStyle>
     <a:defPPr>
-      <a:defRPr lang="zh-CN"/>
+      <a:defRPr lang="en-US"/>
     </a:defPPr>
-    <a:lvl1pPr marL="0" algn="l" defTabSz="914400" rtl="0" eaLnBrk="1" latinLnBrk="0" hangingPunct="1">
+    <a:lvl1pPr marL="0" algn="l" defTabSz="457200" rtl="0" eaLnBrk="1" latinLnBrk="0" hangingPunct="1">
       <a:defRPr sz="1800" kern="1200">
         <a:solidFill>
           <a:schemeClr val="tx1"/>
@@ -23,7 +23,7 @@
         <a:cs typeface="+mn-cs"/>
       </a:defRPr>
     </a:lvl1pPr>
-    <a:lvl2pPr marL="457200" algn="l" defTabSz="914400" rtl="0" eaLnBrk="1" latinLnBrk="0" hangingPunct="1">
+    <a:lvl2pPr marL="457200" algn="l" defTabSz="457200" rtl="0" eaLnBrk="1" latinLnBrk="0" hangingPunct="1">
       <a:defRPr sz="1800" kern="1200">
         <a:solidFill>
           <a:schemeClr val="tx1"/>
@@ -33,7 +33,7 @@
         <a:cs typeface="+mn-cs"/>
       </a:defRPr>
     </a:lvl2pPr>
-    <a:lvl3pPr marL="914400" algn="l" defTabSz="914400" rtl="0" eaLnBrk="1" latinLnBrk="0" hangingPunct="1">
+    <a:lvl3pPr marL="914400" algn="l" defTabSz="457200" rtl="0" eaLnBrk="1" latinLnBrk="0" hangingPunct="1">
       <a:defRPr sz="1800" kern="1200">
         <a:solidFill>
           <a:schemeClr val="tx1"/>
@@ -43,7 +43,7 @@
         <a:cs typeface="+mn-cs"/>
       </a:defRPr>
     </a:lvl3pPr>
-    <a:lvl4pPr marL="1371600" algn="l" defTabSz="914400" rtl="0" eaLnBrk="1" latinLnBrk="0" hangingPunct="1">
+    <a:lvl4pPr marL="1371600" algn="l" defTabSz="457200" rtl="0" eaLnBrk="1" latinLnBrk="0" hangingPunct="1">
       <a:defRPr sz="1800" kern="1200">
         <a:solidFill>
           <a:schemeClr val="tx1"/>
@@ -53,7 +53,7 @@
         <a:cs typeface="+mn-cs"/>
       </a:defRPr>
     </a:lvl4pPr>
-    <a:lvl5pPr marL="1828800" algn="l" defTabSz="914400" rtl="0" eaLnBrk="1" latinLnBrk="0" hangingPunct="1">
+    <a:lvl5pPr marL="1828800" algn="l" defTabSz="457200" rtl="0" eaLnBrk="1" latinLnBrk="0" hangingPunct="1">
       <a:defRPr sz="1800" kern="1200">
         <a:solidFill>
           <a:schemeClr val="tx1"/>
@@ -63,7 +63,7 @@
         <a:cs typeface="+mn-cs"/>
       </a:defRPr>
     </a:lvl5pPr>
-    <a:lvl6pPr marL="2286000" algn="l" defTabSz="914400" rtl="0" eaLnBrk="1" latinLnBrk="0" hangingPunct="1">
+    <a:lvl6pPr marL="2286000" algn="l" defTabSz="457200" rtl="0" eaLnBrk="1" latinLnBrk="0" hangingPunct="1">
       <a:defRPr sz="1800" kern="1200">
         <a:solidFill>
           <a:schemeClr val="tx1"/>
@@ -73,7 +73,7 @@
         <a:cs typeface="+mn-cs"/>
       </a:defRPr>
     </a:lvl6pPr>
-    <a:lvl7pPr marL="2743200" algn="l" defTabSz="914400" rtl="0" eaLnBrk="1" latinLnBrk="0" hangingPunct="1">
+    <a:lvl7pPr marL="2743200" algn="l" defTabSz="457200" rtl="0" eaLnBrk="1" latinLnBrk="0" hangingPunct="1">
       <a:defRPr sz="1800" kern="1200">
         <a:solidFill>
           <a:schemeClr val="tx1"/>
@@ -83,7 +83,7 @@
         <a:cs typeface="+mn-cs"/>
       </a:defRPr>
     </a:lvl7pPr>
-    <a:lvl8pPr marL="3200400" algn="l" defTabSz="914400" rtl="0" eaLnBrk="1" latinLnBrk="0" hangingPunct="1">
+    <a:lvl8pPr marL="3200400" algn="l" defTabSz="457200" rtl="0" eaLnBrk="1" latinLnBrk="0" hangingPunct="1">
       <a:defRPr sz="1800" kern="1200">
         <a:solidFill>
           <a:schemeClr val="tx1"/>
@@ -93,7 +93,7 @@
         <a:cs typeface="+mn-cs"/>
       </a:defRPr>
     </a:lvl8pPr>
-    <a:lvl9pPr marL="3657600" algn="l" defTabSz="914400" rtl="0" eaLnBrk="1" latinLnBrk="0" hangingPunct="1">
+    <a:lvl9pPr marL="3657600" algn="l" defTabSz="457200" rtl="0" eaLnBrk="1" latinLnBrk="0" hangingPunct="1">
       <a:defRPr sz="1800" kern="1200">
         <a:solidFill>
           <a:schemeClr val="tx1"/>
@@ -104,6 +104,11 @@
       </a:defRPr>
     </a:lvl9pPr>
   </p:defaultTextStyle>
+  <p:extLst>
+    <p:ext uri="{EFAFB233-063F-42B5-8137-9DF3F51BA10A}">
+      <p15:sldGuideLst xmlns:p15="http://schemas.microsoft.com/office/powerpoint/2012/main"/>
+    </p:ext>
+  </p:extLst>
 </p:presentation>
 </file>
 
@@ -126,13 +131,7 @@
       </p:grpSpPr>
       <p:sp>
         <p:nvSpPr>
-          <p:cNvPr id="2" name="标题 1">
-            <a:extLst>
-              <a:ext uri="{FF2B5EF4-FFF2-40B4-BE49-F238E27FC236}">
-                <a16:creationId xmlns:a16="http://schemas.microsoft.com/office/drawing/2014/main" id="{EEA8F6CF-3665-0AE9-A189-826ED1C62102}"/>
-              </a:ext>
-            </a:extLst>
-          </p:cNvPr>
+          <p:cNvPr id="2" name="Title 1"/>
           <p:cNvSpPr>
             <a:spLocks noGrp="1"/>
           </p:cNvSpPr>
@@ -142,8 +141,8 @@
         </p:nvSpPr>
         <p:spPr>
           <a:xfrm>
-            <a:off x="1524000" y="1122363"/>
-            <a:ext cx="9144000" cy="2387600"/>
+            <a:off x="1709936" y="1122363"/>
+            <a:ext cx="10259616" cy="2387600"/>
           </a:xfrm>
         </p:spPr>
         <p:txBody>
@@ -158,18 +157,13 @@
               <a:rPr lang="zh-CN" altLang="en-US"/>
               <a:t>单击此处编辑母版标题样式</a:t>
             </a:r>
-          </a:p>
-        </p:txBody>
-      </p:sp>
-      <p:sp>
-        <p:nvSpPr>
-          <p:cNvPr id="3" name="副标题 2">
-            <a:extLst>
-              <a:ext uri="{FF2B5EF4-FFF2-40B4-BE49-F238E27FC236}">
-                <a16:creationId xmlns:a16="http://schemas.microsoft.com/office/drawing/2014/main" id="{DAB0B4DF-A0A2-FFFD-5223-BE0839DDC58C}"/>
-              </a:ext>
-            </a:extLst>
-          </p:cNvPr>
+            <a:endParaRPr lang="en-US" dirty="0"/>
+          </a:p>
+        </p:txBody>
+      </p:sp>
+      <p:sp>
+        <p:nvSpPr>
+          <p:cNvPr id="3" name="Subtitle 2"/>
           <p:cNvSpPr>
             <a:spLocks noGrp="1"/>
           </p:cNvSpPr>
@@ -179,8 +173,8 @@
         </p:nvSpPr>
         <p:spPr>
           <a:xfrm>
-            <a:off x="1524000" y="3602038"/>
-            <a:ext cx="9144000" cy="1655762"/>
+            <a:off x="1709936" y="3602038"/>
+            <a:ext cx="10259616" cy="1655762"/>
           </a:xfrm>
         </p:spPr>
         <p:txBody>
@@ -228,18 +222,13 @@
               <a:rPr lang="zh-CN" altLang="en-US"/>
               <a:t>单击此处编辑母版副标题样式</a:t>
             </a:r>
-          </a:p>
-        </p:txBody>
-      </p:sp>
-      <p:sp>
-        <p:nvSpPr>
-          <p:cNvPr id="4" name="日期占位符 3">
-            <a:extLst>
-              <a:ext uri="{FF2B5EF4-FFF2-40B4-BE49-F238E27FC236}">
-                <a16:creationId xmlns:a16="http://schemas.microsoft.com/office/drawing/2014/main" id="{213C2015-8495-0DE4-9027-8D5F53D2BAF0}"/>
-              </a:ext>
-            </a:extLst>
-          </p:cNvPr>
+            <a:endParaRPr lang="en-US" dirty="0"/>
+          </a:p>
+        </p:txBody>
+      </p:sp>
+      <p:sp>
+        <p:nvSpPr>
+          <p:cNvPr id="4" name="Date Placeholder 3"/>
           <p:cNvSpPr>
             <a:spLocks noGrp="1"/>
           </p:cNvSpPr>
@@ -262,13 +251,7 @@
       </p:sp>
       <p:sp>
         <p:nvSpPr>
-          <p:cNvPr id="5" name="页脚占位符 4">
-            <a:extLst>
-              <a:ext uri="{FF2B5EF4-FFF2-40B4-BE49-F238E27FC236}">
-                <a16:creationId xmlns:a16="http://schemas.microsoft.com/office/drawing/2014/main" id="{9C3FE0A0-BA00-DEF2-C170-23C15140EEF2}"/>
-              </a:ext>
-            </a:extLst>
-          </p:cNvPr>
+          <p:cNvPr id="5" name="Footer Placeholder 4"/>
           <p:cNvSpPr>
             <a:spLocks noGrp="1"/>
           </p:cNvSpPr>
@@ -287,13 +270,7 @@
       </p:sp>
       <p:sp>
         <p:nvSpPr>
-          <p:cNvPr id="6" name="灯片编号占位符 5">
-            <a:extLst>
-              <a:ext uri="{FF2B5EF4-FFF2-40B4-BE49-F238E27FC236}">
-                <a16:creationId xmlns:a16="http://schemas.microsoft.com/office/drawing/2014/main" id="{31DF3D11-E840-177F-45C1-B0FF7535ED67}"/>
-              </a:ext>
-            </a:extLst>
-          </p:cNvPr>
+          <p:cNvPr id="6" name="Slide Number Placeholder 5"/>
           <p:cNvSpPr>
             <a:spLocks noGrp="1"/>
           </p:cNvSpPr>
@@ -317,7 +294,7 @@
     </p:spTree>
     <p:extLst>
       <p:ext uri="{BB962C8B-B14F-4D97-AF65-F5344CB8AC3E}">
-        <p14:creationId xmlns:p14="http://schemas.microsoft.com/office/powerpoint/2010/main" val="2211452919"/>
+        <p14:creationId xmlns:p14="http://schemas.microsoft.com/office/powerpoint/2010/main" val="3930260018"/>
       </p:ext>
     </p:extLst>
   </p:cSld>
@@ -346,13 +323,7 @@
       </p:grpSpPr>
       <p:sp>
         <p:nvSpPr>
-          <p:cNvPr id="2" name="标题 1">
-            <a:extLst>
-              <a:ext uri="{FF2B5EF4-FFF2-40B4-BE49-F238E27FC236}">
-                <a16:creationId xmlns:a16="http://schemas.microsoft.com/office/drawing/2014/main" id="{81D7CC25-E308-3AEB-B45C-E64EB381F38B}"/>
-              </a:ext>
-            </a:extLst>
-          </p:cNvPr>
+          <p:cNvPr id="2" name="Title 1"/>
           <p:cNvSpPr>
             <a:spLocks noGrp="1"/>
           </p:cNvSpPr>
@@ -369,18 +340,13 @@
               <a:rPr lang="zh-CN" altLang="en-US"/>
               <a:t>单击此处编辑母版标题样式</a:t>
             </a:r>
-          </a:p>
-        </p:txBody>
-      </p:sp>
-      <p:sp>
-        <p:nvSpPr>
-          <p:cNvPr id="3" name="竖排文字占位符 2">
-            <a:extLst>
-              <a:ext uri="{FF2B5EF4-FFF2-40B4-BE49-F238E27FC236}">
-                <a16:creationId xmlns:a16="http://schemas.microsoft.com/office/drawing/2014/main" id="{1300BFFF-7B8A-491C-2104-1865C9E6C971}"/>
-              </a:ext>
-            </a:extLst>
-          </p:cNvPr>
+            <a:endParaRPr lang="en-US" dirty="0"/>
+          </a:p>
+        </p:txBody>
+      </p:sp>
+      <p:sp>
+        <p:nvSpPr>
+          <p:cNvPr id="3" name="Vertical Text Placeholder 2"/>
           <p:cNvSpPr>
             <a:spLocks noGrp="1"/>
           </p:cNvSpPr>
@@ -426,18 +392,13 @@
               <a:rPr lang="zh-CN" altLang="en-US"/>
               <a:t>五级</a:t>
             </a:r>
-          </a:p>
-        </p:txBody>
-      </p:sp>
-      <p:sp>
-        <p:nvSpPr>
-          <p:cNvPr id="4" name="日期占位符 3">
-            <a:extLst>
-              <a:ext uri="{FF2B5EF4-FFF2-40B4-BE49-F238E27FC236}">
-                <a16:creationId xmlns:a16="http://schemas.microsoft.com/office/drawing/2014/main" id="{8815C262-29F6-396C-9B66-4DF6E19B8CFE}"/>
-              </a:ext>
-            </a:extLst>
-          </p:cNvPr>
+            <a:endParaRPr lang="en-US" dirty="0"/>
+          </a:p>
+        </p:txBody>
+      </p:sp>
+      <p:sp>
+        <p:nvSpPr>
+          <p:cNvPr id="4" name="Date Placeholder 3"/>
           <p:cNvSpPr>
             <a:spLocks noGrp="1"/>
           </p:cNvSpPr>
@@ -460,13 +421,7 @@
       </p:sp>
       <p:sp>
         <p:nvSpPr>
-          <p:cNvPr id="5" name="页脚占位符 4">
-            <a:extLst>
-              <a:ext uri="{FF2B5EF4-FFF2-40B4-BE49-F238E27FC236}">
-                <a16:creationId xmlns:a16="http://schemas.microsoft.com/office/drawing/2014/main" id="{A8F6CD1C-E2B1-26AF-0B28-37903094030E}"/>
-              </a:ext>
-            </a:extLst>
-          </p:cNvPr>
+          <p:cNvPr id="5" name="Footer Placeholder 4"/>
           <p:cNvSpPr>
             <a:spLocks noGrp="1"/>
           </p:cNvSpPr>
@@ -485,13 +440,7 @@
       </p:sp>
       <p:sp>
         <p:nvSpPr>
-          <p:cNvPr id="6" name="灯片编号占位符 5">
-            <a:extLst>
-              <a:ext uri="{FF2B5EF4-FFF2-40B4-BE49-F238E27FC236}">
-                <a16:creationId xmlns:a16="http://schemas.microsoft.com/office/drawing/2014/main" id="{74A3C780-8E59-353E-4483-512408E4B231}"/>
-              </a:ext>
-            </a:extLst>
-          </p:cNvPr>
+          <p:cNvPr id="6" name="Slide Number Placeholder 5"/>
           <p:cNvSpPr>
             <a:spLocks noGrp="1"/>
           </p:cNvSpPr>
@@ -515,7 +464,7 @@
     </p:spTree>
     <p:extLst>
       <p:ext uri="{BB962C8B-B14F-4D97-AF65-F5344CB8AC3E}">
-        <p14:creationId xmlns:p14="http://schemas.microsoft.com/office/powerpoint/2010/main" val="2359327902"/>
+        <p14:creationId xmlns:p14="http://schemas.microsoft.com/office/powerpoint/2010/main" val="2468190951"/>
       </p:ext>
     </p:extLst>
   </p:cSld>
@@ -544,13 +493,7 @@
       </p:grpSpPr>
       <p:sp>
         <p:nvSpPr>
-          <p:cNvPr id="2" name="竖排标题 1">
-            <a:extLst>
-              <a:ext uri="{FF2B5EF4-FFF2-40B4-BE49-F238E27FC236}">
-                <a16:creationId xmlns:a16="http://schemas.microsoft.com/office/drawing/2014/main" id="{6BB0947F-D53F-2404-5AB2-D6DD1E5E9920}"/>
-              </a:ext>
-            </a:extLst>
-          </p:cNvPr>
+          <p:cNvPr id="2" name="Vertical Title 1"/>
           <p:cNvSpPr>
             <a:spLocks noGrp="1"/>
           </p:cNvSpPr>
@@ -560,8 +503,8 @@
         </p:nvSpPr>
         <p:spPr>
           <a:xfrm>
-            <a:off x="8724900" y="365125"/>
-            <a:ext cx="2628900" cy="5811838"/>
+            <a:off x="9789383" y="365125"/>
+            <a:ext cx="2949640" cy="5811838"/>
           </a:xfrm>
         </p:spPr>
         <p:txBody>
@@ -572,18 +515,13 @@
               <a:rPr lang="zh-CN" altLang="en-US"/>
               <a:t>单击此处编辑母版标题样式</a:t>
             </a:r>
-          </a:p>
-        </p:txBody>
-      </p:sp>
-      <p:sp>
-        <p:nvSpPr>
-          <p:cNvPr id="3" name="竖排文字占位符 2">
-            <a:extLst>
-              <a:ext uri="{FF2B5EF4-FFF2-40B4-BE49-F238E27FC236}">
-                <a16:creationId xmlns:a16="http://schemas.microsoft.com/office/drawing/2014/main" id="{D3391B35-38EF-BCF5-931D-ECDCFF05F98B}"/>
-              </a:ext>
-            </a:extLst>
-          </p:cNvPr>
+            <a:endParaRPr lang="en-US" dirty="0"/>
+          </a:p>
+        </p:txBody>
+      </p:sp>
+      <p:sp>
+        <p:nvSpPr>
+          <p:cNvPr id="3" name="Vertical Text Placeholder 2"/>
           <p:cNvSpPr>
             <a:spLocks noGrp="1"/>
           </p:cNvSpPr>
@@ -593,8 +531,8 @@
         </p:nvSpPr>
         <p:spPr>
           <a:xfrm>
-            <a:off x="838200" y="365125"/>
-            <a:ext cx="7734300" cy="5811838"/>
+            <a:off x="940465" y="365125"/>
+            <a:ext cx="8677925" cy="5811838"/>
           </a:xfrm>
         </p:spPr>
         <p:txBody>
@@ -634,18 +572,13 @@
               <a:rPr lang="zh-CN" altLang="en-US"/>
               <a:t>五级</a:t>
             </a:r>
-          </a:p>
-        </p:txBody>
-      </p:sp>
-      <p:sp>
-        <p:nvSpPr>
-          <p:cNvPr id="4" name="日期占位符 3">
-            <a:extLst>
-              <a:ext uri="{FF2B5EF4-FFF2-40B4-BE49-F238E27FC236}">
-                <a16:creationId xmlns:a16="http://schemas.microsoft.com/office/drawing/2014/main" id="{3C5DB4EB-B16A-1259-89BD-FB0E6D6F9705}"/>
-              </a:ext>
-            </a:extLst>
-          </p:cNvPr>
+            <a:endParaRPr lang="en-US" dirty="0"/>
+          </a:p>
+        </p:txBody>
+      </p:sp>
+      <p:sp>
+        <p:nvSpPr>
+          <p:cNvPr id="4" name="Date Placeholder 3"/>
           <p:cNvSpPr>
             <a:spLocks noGrp="1"/>
           </p:cNvSpPr>
@@ -668,13 +601,7 @@
       </p:sp>
       <p:sp>
         <p:nvSpPr>
-          <p:cNvPr id="5" name="页脚占位符 4">
-            <a:extLst>
-              <a:ext uri="{FF2B5EF4-FFF2-40B4-BE49-F238E27FC236}">
-                <a16:creationId xmlns:a16="http://schemas.microsoft.com/office/drawing/2014/main" id="{15D79B44-6AA6-BAF3-0567-308876D67EB3}"/>
-              </a:ext>
-            </a:extLst>
-          </p:cNvPr>
+          <p:cNvPr id="5" name="Footer Placeholder 4"/>
           <p:cNvSpPr>
             <a:spLocks noGrp="1"/>
           </p:cNvSpPr>
@@ -693,13 +620,7 @@
       </p:sp>
       <p:sp>
         <p:nvSpPr>
-          <p:cNvPr id="6" name="灯片编号占位符 5">
-            <a:extLst>
-              <a:ext uri="{FF2B5EF4-FFF2-40B4-BE49-F238E27FC236}">
-                <a16:creationId xmlns:a16="http://schemas.microsoft.com/office/drawing/2014/main" id="{ECD660D6-2BFD-39A8-63C1-6B5FCF5FE4F6}"/>
-              </a:ext>
-            </a:extLst>
-          </p:cNvPr>
+          <p:cNvPr id="6" name="Slide Number Placeholder 5"/>
           <p:cNvSpPr>
             <a:spLocks noGrp="1"/>
           </p:cNvSpPr>
@@ -723,7 +644,7 @@
     </p:spTree>
     <p:extLst>
       <p:ext uri="{BB962C8B-B14F-4D97-AF65-F5344CB8AC3E}">
-        <p14:creationId xmlns:p14="http://schemas.microsoft.com/office/powerpoint/2010/main" val="1316546599"/>
+        <p14:creationId xmlns:p14="http://schemas.microsoft.com/office/powerpoint/2010/main" val="3212862491"/>
       </p:ext>
     </p:extLst>
   </p:cSld>
@@ -752,13 +673,7 @@
       </p:grpSpPr>
       <p:sp>
         <p:nvSpPr>
-          <p:cNvPr id="2" name="标题 1">
-            <a:extLst>
-              <a:ext uri="{FF2B5EF4-FFF2-40B4-BE49-F238E27FC236}">
-                <a16:creationId xmlns:a16="http://schemas.microsoft.com/office/drawing/2014/main" id="{51E13D3A-4FAF-66FA-D310-3C856A2F7C26}"/>
-              </a:ext>
-            </a:extLst>
-          </p:cNvPr>
+          <p:cNvPr id="2" name="Title 1"/>
           <p:cNvSpPr>
             <a:spLocks noGrp="1"/>
           </p:cNvSpPr>
@@ -775,18 +690,13 @@
               <a:rPr lang="zh-CN" altLang="en-US"/>
               <a:t>单击此处编辑母版标题样式</a:t>
             </a:r>
-          </a:p>
-        </p:txBody>
-      </p:sp>
-      <p:sp>
-        <p:nvSpPr>
-          <p:cNvPr id="3" name="内容占位符 2">
-            <a:extLst>
-              <a:ext uri="{FF2B5EF4-FFF2-40B4-BE49-F238E27FC236}">
-                <a16:creationId xmlns:a16="http://schemas.microsoft.com/office/drawing/2014/main" id="{9C3278F6-B3CC-7BBE-1E42-3BBC03201A36}"/>
-              </a:ext>
-            </a:extLst>
-          </p:cNvPr>
+            <a:endParaRPr lang="en-US" dirty="0"/>
+          </a:p>
+        </p:txBody>
+      </p:sp>
+      <p:sp>
+        <p:nvSpPr>
+          <p:cNvPr id="3" name="Content Placeholder 2"/>
           <p:cNvSpPr>
             <a:spLocks noGrp="1"/>
           </p:cNvSpPr>
@@ -832,18 +742,13 @@
               <a:rPr lang="zh-CN" altLang="en-US"/>
               <a:t>五级</a:t>
             </a:r>
-          </a:p>
-        </p:txBody>
-      </p:sp>
-      <p:sp>
-        <p:nvSpPr>
-          <p:cNvPr id="4" name="日期占位符 3">
-            <a:extLst>
-              <a:ext uri="{FF2B5EF4-FFF2-40B4-BE49-F238E27FC236}">
-                <a16:creationId xmlns:a16="http://schemas.microsoft.com/office/drawing/2014/main" id="{9A4E2ED3-4CBA-0DC1-AB5C-74D51A1AD45B}"/>
-              </a:ext>
-            </a:extLst>
-          </p:cNvPr>
+            <a:endParaRPr lang="en-US" dirty="0"/>
+          </a:p>
+        </p:txBody>
+      </p:sp>
+      <p:sp>
+        <p:nvSpPr>
+          <p:cNvPr id="4" name="Date Placeholder 3"/>
           <p:cNvSpPr>
             <a:spLocks noGrp="1"/>
           </p:cNvSpPr>
@@ -866,13 +771,7 @@
       </p:sp>
       <p:sp>
         <p:nvSpPr>
-          <p:cNvPr id="5" name="页脚占位符 4">
-            <a:extLst>
-              <a:ext uri="{FF2B5EF4-FFF2-40B4-BE49-F238E27FC236}">
-                <a16:creationId xmlns:a16="http://schemas.microsoft.com/office/drawing/2014/main" id="{A8B35439-AF6C-5276-4DAA-46E13885C107}"/>
-              </a:ext>
-            </a:extLst>
-          </p:cNvPr>
+          <p:cNvPr id="5" name="Footer Placeholder 4"/>
           <p:cNvSpPr>
             <a:spLocks noGrp="1"/>
           </p:cNvSpPr>
@@ -891,13 +790,7 @@
       </p:sp>
       <p:sp>
         <p:nvSpPr>
-          <p:cNvPr id="6" name="灯片编号占位符 5">
-            <a:extLst>
-              <a:ext uri="{FF2B5EF4-FFF2-40B4-BE49-F238E27FC236}">
-                <a16:creationId xmlns:a16="http://schemas.microsoft.com/office/drawing/2014/main" id="{39675333-AE1D-92FE-A797-F0EF2529181C}"/>
-              </a:ext>
-            </a:extLst>
-          </p:cNvPr>
+          <p:cNvPr id="6" name="Slide Number Placeholder 5"/>
           <p:cNvSpPr>
             <a:spLocks noGrp="1"/>
           </p:cNvSpPr>
@@ -921,7 +814,7 @@
     </p:spTree>
     <p:extLst>
       <p:ext uri="{BB962C8B-B14F-4D97-AF65-F5344CB8AC3E}">
-        <p14:creationId xmlns:p14="http://schemas.microsoft.com/office/powerpoint/2010/main" val="2913383856"/>
+        <p14:creationId xmlns:p14="http://schemas.microsoft.com/office/powerpoint/2010/main" val="1600238398"/>
       </p:ext>
     </p:extLst>
   </p:cSld>
@@ -950,13 +843,7 @@
       </p:grpSpPr>
       <p:sp>
         <p:nvSpPr>
-          <p:cNvPr id="2" name="标题 1">
-            <a:extLst>
-              <a:ext uri="{FF2B5EF4-FFF2-40B4-BE49-F238E27FC236}">
-                <a16:creationId xmlns:a16="http://schemas.microsoft.com/office/drawing/2014/main" id="{B0DF3648-3D74-91B5-7EF1-98A8C4740057}"/>
-              </a:ext>
-            </a:extLst>
-          </p:cNvPr>
+          <p:cNvPr id="2" name="Title 1"/>
           <p:cNvSpPr>
             <a:spLocks noGrp="1"/>
           </p:cNvSpPr>
@@ -966,8 +853,8 @@
         </p:nvSpPr>
         <p:spPr>
           <a:xfrm>
-            <a:off x="831850" y="1709738"/>
-            <a:ext cx="10515600" cy="2852737"/>
+            <a:off x="933340" y="1709739"/>
+            <a:ext cx="11798558" cy="2852737"/>
           </a:xfrm>
         </p:spPr>
         <p:txBody>
@@ -982,18 +869,13 @@
               <a:rPr lang="zh-CN" altLang="en-US"/>
               <a:t>单击此处编辑母版标题样式</a:t>
             </a:r>
-          </a:p>
-        </p:txBody>
-      </p:sp>
-      <p:sp>
-        <p:nvSpPr>
-          <p:cNvPr id="3" name="文本占位符 2">
-            <a:extLst>
-              <a:ext uri="{FF2B5EF4-FFF2-40B4-BE49-F238E27FC236}">
-                <a16:creationId xmlns:a16="http://schemas.microsoft.com/office/drawing/2014/main" id="{E9154777-9241-479E-25A8-BC6E92C81DB6}"/>
-              </a:ext>
-            </a:extLst>
-          </p:cNvPr>
+            <a:endParaRPr lang="en-US" dirty="0"/>
+          </a:p>
+        </p:txBody>
+      </p:sp>
+      <p:sp>
+        <p:nvSpPr>
+          <p:cNvPr id="3" name="Text Placeholder 2"/>
           <p:cNvSpPr>
             <a:spLocks noGrp="1"/>
           </p:cNvSpPr>
@@ -1003,8 +885,8 @@
         </p:nvSpPr>
         <p:spPr>
           <a:xfrm>
-            <a:off x="831850" y="4589463"/>
-            <a:ext cx="10515600" cy="1500187"/>
+            <a:off x="933340" y="4589464"/>
+            <a:ext cx="11798558" cy="1500187"/>
           </a:xfrm>
         </p:spPr>
         <p:txBody>
@@ -1112,13 +994,7 @@
       </p:sp>
       <p:sp>
         <p:nvSpPr>
-          <p:cNvPr id="4" name="日期占位符 3">
-            <a:extLst>
-              <a:ext uri="{FF2B5EF4-FFF2-40B4-BE49-F238E27FC236}">
-                <a16:creationId xmlns:a16="http://schemas.microsoft.com/office/drawing/2014/main" id="{CCBAB067-FD1F-B10D-8944-1B92277CBF20}"/>
-              </a:ext>
-            </a:extLst>
-          </p:cNvPr>
+          <p:cNvPr id="4" name="Date Placeholder 3"/>
           <p:cNvSpPr>
             <a:spLocks noGrp="1"/>
           </p:cNvSpPr>
@@ -1141,13 +1017,7 @@
       </p:sp>
       <p:sp>
         <p:nvSpPr>
-          <p:cNvPr id="5" name="页脚占位符 4">
-            <a:extLst>
-              <a:ext uri="{FF2B5EF4-FFF2-40B4-BE49-F238E27FC236}">
-                <a16:creationId xmlns:a16="http://schemas.microsoft.com/office/drawing/2014/main" id="{AE2D24B7-BD4E-49D3-B0BA-021A598774B8}"/>
-              </a:ext>
-            </a:extLst>
-          </p:cNvPr>
+          <p:cNvPr id="5" name="Footer Placeholder 4"/>
           <p:cNvSpPr>
             <a:spLocks noGrp="1"/>
           </p:cNvSpPr>
@@ -1166,13 +1036,7 @@
       </p:sp>
       <p:sp>
         <p:nvSpPr>
-          <p:cNvPr id="6" name="灯片编号占位符 5">
-            <a:extLst>
-              <a:ext uri="{FF2B5EF4-FFF2-40B4-BE49-F238E27FC236}">
-                <a16:creationId xmlns:a16="http://schemas.microsoft.com/office/drawing/2014/main" id="{A34078D4-84A7-8BD9-64F6-6077FD496663}"/>
-              </a:ext>
-            </a:extLst>
-          </p:cNvPr>
+          <p:cNvPr id="6" name="Slide Number Placeholder 5"/>
           <p:cNvSpPr>
             <a:spLocks noGrp="1"/>
           </p:cNvSpPr>
@@ -1196,7 +1060,7 @@
     </p:spTree>
     <p:extLst>
       <p:ext uri="{BB962C8B-B14F-4D97-AF65-F5344CB8AC3E}">
-        <p14:creationId xmlns:p14="http://schemas.microsoft.com/office/powerpoint/2010/main" val="1323311257"/>
+        <p14:creationId xmlns:p14="http://schemas.microsoft.com/office/powerpoint/2010/main" val="3974913148"/>
       </p:ext>
     </p:extLst>
   </p:cSld>
@@ -1225,13 +1089,7 @@
       </p:grpSpPr>
       <p:sp>
         <p:nvSpPr>
-          <p:cNvPr id="2" name="标题 1">
-            <a:extLst>
-              <a:ext uri="{FF2B5EF4-FFF2-40B4-BE49-F238E27FC236}">
-                <a16:creationId xmlns:a16="http://schemas.microsoft.com/office/drawing/2014/main" id="{B5544AD1-2F35-B7B4-4272-3432966B6D77}"/>
-              </a:ext>
-            </a:extLst>
-          </p:cNvPr>
+          <p:cNvPr id="2" name="Title 1"/>
           <p:cNvSpPr>
             <a:spLocks noGrp="1"/>
           </p:cNvSpPr>
@@ -1248,18 +1106,13 @@
               <a:rPr lang="zh-CN" altLang="en-US"/>
               <a:t>单击此处编辑母版标题样式</a:t>
             </a:r>
-          </a:p>
-        </p:txBody>
-      </p:sp>
-      <p:sp>
-        <p:nvSpPr>
-          <p:cNvPr id="3" name="内容占位符 2">
-            <a:extLst>
-              <a:ext uri="{FF2B5EF4-FFF2-40B4-BE49-F238E27FC236}">
-                <a16:creationId xmlns:a16="http://schemas.microsoft.com/office/drawing/2014/main" id="{532FC1A9-086C-7D33-3DEC-7E4659A41021}"/>
-              </a:ext>
-            </a:extLst>
-          </p:cNvPr>
+            <a:endParaRPr lang="en-US" dirty="0"/>
+          </a:p>
+        </p:txBody>
+      </p:sp>
+      <p:sp>
+        <p:nvSpPr>
+          <p:cNvPr id="3" name="Content Placeholder 2"/>
           <p:cNvSpPr>
             <a:spLocks noGrp="1"/>
           </p:cNvSpPr>
@@ -1269,8 +1122,8 @@
         </p:nvSpPr>
         <p:spPr>
           <a:xfrm>
-            <a:off x="838200" y="1825625"/>
-            <a:ext cx="5181600" cy="4351338"/>
+            <a:off x="940465" y="1825625"/>
+            <a:ext cx="5813782" cy="4351338"/>
           </a:xfrm>
         </p:spPr>
         <p:txBody>
@@ -1310,18 +1163,13 @@
               <a:rPr lang="zh-CN" altLang="en-US"/>
               <a:t>五级</a:t>
             </a:r>
-          </a:p>
-        </p:txBody>
-      </p:sp>
-      <p:sp>
-        <p:nvSpPr>
-          <p:cNvPr id="4" name="内容占位符 3">
-            <a:extLst>
-              <a:ext uri="{FF2B5EF4-FFF2-40B4-BE49-F238E27FC236}">
-                <a16:creationId xmlns:a16="http://schemas.microsoft.com/office/drawing/2014/main" id="{B08F4378-2678-E505-407B-EF5F08117794}"/>
-              </a:ext>
-            </a:extLst>
-          </p:cNvPr>
+            <a:endParaRPr lang="en-US" dirty="0"/>
+          </a:p>
+        </p:txBody>
+      </p:sp>
+      <p:sp>
+        <p:nvSpPr>
+          <p:cNvPr id="4" name="Content Placeholder 3"/>
           <p:cNvSpPr>
             <a:spLocks noGrp="1"/>
           </p:cNvSpPr>
@@ -1331,8 +1179,8 @@
         </p:nvSpPr>
         <p:spPr>
           <a:xfrm>
-            <a:off x="6172200" y="1825625"/>
-            <a:ext cx="5181600" cy="4351338"/>
+            <a:off x="6925241" y="1825625"/>
+            <a:ext cx="5813782" cy="4351338"/>
           </a:xfrm>
         </p:spPr>
         <p:txBody>
@@ -1372,18 +1220,13 @@
               <a:rPr lang="zh-CN" altLang="en-US"/>
               <a:t>五级</a:t>
             </a:r>
-          </a:p>
-        </p:txBody>
-      </p:sp>
-      <p:sp>
-        <p:nvSpPr>
-          <p:cNvPr id="5" name="日期占位符 4">
-            <a:extLst>
-              <a:ext uri="{FF2B5EF4-FFF2-40B4-BE49-F238E27FC236}">
-                <a16:creationId xmlns:a16="http://schemas.microsoft.com/office/drawing/2014/main" id="{5F12183C-91A7-3E23-C6E9-59A3A4769635}"/>
-              </a:ext>
-            </a:extLst>
-          </p:cNvPr>
+            <a:endParaRPr lang="en-US" dirty="0"/>
+          </a:p>
+        </p:txBody>
+      </p:sp>
+      <p:sp>
+        <p:nvSpPr>
+          <p:cNvPr id="5" name="Date Placeholder 4"/>
           <p:cNvSpPr>
             <a:spLocks noGrp="1"/>
           </p:cNvSpPr>
@@ -1406,13 +1249,7 @@
       </p:sp>
       <p:sp>
         <p:nvSpPr>
-          <p:cNvPr id="6" name="页脚占位符 5">
-            <a:extLst>
-              <a:ext uri="{FF2B5EF4-FFF2-40B4-BE49-F238E27FC236}">
-                <a16:creationId xmlns:a16="http://schemas.microsoft.com/office/drawing/2014/main" id="{64C2B23F-51AB-356F-B1BA-2F5ADFF8D3AF}"/>
-              </a:ext>
-            </a:extLst>
-          </p:cNvPr>
+          <p:cNvPr id="6" name="Footer Placeholder 5"/>
           <p:cNvSpPr>
             <a:spLocks noGrp="1"/>
           </p:cNvSpPr>
@@ -1431,13 +1268,7 @@
       </p:sp>
       <p:sp>
         <p:nvSpPr>
-          <p:cNvPr id="7" name="灯片编号占位符 6">
-            <a:extLst>
-              <a:ext uri="{FF2B5EF4-FFF2-40B4-BE49-F238E27FC236}">
-                <a16:creationId xmlns:a16="http://schemas.microsoft.com/office/drawing/2014/main" id="{190250D8-5FC9-9037-4C89-9D55CD25ECF5}"/>
-              </a:ext>
-            </a:extLst>
-          </p:cNvPr>
+          <p:cNvPr id="7" name="Slide Number Placeholder 6"/>
           <p:cNvSpPr>
             <a:spLocks noGrp="1"/>
           </p:cNvSpPr>
@@ -1461,7 +1292,7 @@
     </p:spTree>
     <p:extLst>
       <p:ext uri="{BB962C8B-B14F-4D97-AF65-F5344CB8AC3E}">
-        <p14:creationId xmlns:p14="http://schemas.microsoft.com/office/powerpoint/2010/main" val="1605748915"/>
+        <p14:creationId xmlns:p14="http://schemas.microsoft.com/office/powerpoint/2010/main" val="498422113"/>
       </p:ext>
     </p:extLst>
   </p:cSld>
@@ -1490,13 +1321,7 @@
       </p:grpSpPr>
       <p:sp>
         <p:nvSpPr>
-          <p:cNvPr id="2" name="标题 1">
-            <a:extLst>
-              <a:ext uri="{FF2B5EF4-FFF2-40B4-BE49-F238E27FC236}">
-                <a16:creationId xmlns:a16="http://schemas.microsoft.com/office/drawing/2014/main" id="{B393B824-6746-1C62-039D-C1D529F1E64A}"/>
-              </a:ext>
-            </a:extLst>
-          </p:cNvPr>
+          <p:cNvPr id="2" name="Title 1"/>
           <p:cNvSpPr>
             <a:spLocks noGrp="1"/>
           </p:cNvSpPr>
@@ -1506,8 +1331,8 @@
         </p:nvSpPr>
         <p:spPr>
           <a:xfrm>
-            <a:off x="839788" y="365125"/>
-            <a:ext cx="10515600" cy="1325563"/>
+            <a:off x="942247" y="365126"/>
+            <a:ext cx="11798558" cy="1325563"/>
           </a:xfrm>
         </p:spPr>
         <p:txBody>
@@ -1518,18 +1343,13 @@
               <a:rPr lang="zh-CN" altLang="en-US"/>
               <a:t>单击此处编辑母版标题样式</a:t>
             </a:r>
-          </a:p>
-        </p:txBody>
-      </p:sp>
-      <p:sp>
-        <p:nvSpPr>
-          <p:cNvPr id="3" name="文本占位符 2">
-            <a:extLst>
-              <a:ext uri="{FF2B5EF4-FFF2-40B4-BE49-F238E27FC236}">
-                <a16:creationId xmlns:a16="http://schemas.microsoft.com/office/drawing/2014/main" id="{E8782248-7192-709D-7F73-67B9D4ECC6AC}"/>
-              </a:ext>
-            </a:extLst>
-          </p:cNvPr>
+            <a:endParaRPr lang="en-US" dirty="0"/>
+          </a:p>
+        </p:txBody>
+      </p:sp>
+      <p:sp>
+        <p:nvSpPr>
+          <p:cNvPr id="3" name="Text Placeholder 2"/>
           <p:cNvSpPr>
             <a:spLocks noGrp="1"/>
           </p:cNvSpPr>
@@ -1539,8 +1359,8 @@
         </p:nvSpPr>
         <p:spPr>
           <a:xfrm>
-            <a:off x="839788" y="1681163"/>
-            <a:ext cx="5157787" cy="823912"/>
+            <a:off x="942247" y="1681163"/>
+            <a:ext cx="5787064" cy="823912"/>
           </a:xfrm>
         </p:spPr>
         <p:txBody>
@@ -1594,13 +1414,7 @@
       </p:sp>
       <p:sp>
         <p:nvSpPr>
-          <p:cNvPr id="4" name="内容占位符 3">
-            <a:extLst>
-              <a:ext uri="{FF2B5EF4-FFF2-40B4-BE49-F238E27FC236}">
-                <a16:creationId xmlns:a16="http://schemas.microsoft.com/office/drawing/2014/main" id="{98F7A5CE-14D4-BC96-DFDA-AE203847E57C}"/>
-              </a:ext>
-            </a:extLst>
-          </p:cNvPr>
+          <p:cNvPr id="4" name="Content Placeholder 3"/>
           <p:cNvSpPr>
             <a:spLocks noGrp="1"/>
           </p:cNvSpPr>
@@ -1610,8 +1424,8 @@
         </p:nvSpPr>
         <p:spPr>
           <a:xfrm>
-            <a:off x="839788" y="2505075"/>
-            <a:ext cx="5157787" cy="3684588"/>
+            <a:off x="942247" y="2505075"/>
+            <a:ext cx="5787064" cy="3684588"/>
           </a:xfrm>
         </p:spPr>
         <p:txBody>
@@ -1651,18 +1465,13 @@
               <a:rPr lang="zh-CN" altLang="en-US"/>
               <a:t>五级</a:t>
             </a:r>
-          </a:p>
-        </p:txBody>
-      </p:sp>
-      <p:sp>
-        <p:nvSpPr>
-          <p:cNvPr id="5" name="文本占位符 4">
-            <a:extLst>
-              <a:ext uri="{FF2B5EF4-FFF2-40B4-BE49-F238E27FC236}">
-                <a16:creationId xmlns:a16="http://schemas.microsoft.com/office/drawing/2014/main" id="{F11A0BDA-9239-2205-EE62-F72545E46FBE}"/>
-              </a:ext>
-            </a:extLst>
-          </p:cNvPr>
+            <a:endParaRPr lang="en-US" dirty="0"/>
+          </a:p>
+        </p:txBody>
+      </p:sp>
+      <p:sp>
+        <p:nvSpPr>
+          <p:cNvPr id="5" name="Text Placeholder 4"/>
           <p:cNvSpPr>
             <a:spLocks noGrp="1"/>
           </p:cNvSpPr>
@@ -1672,8 +1481,8 @@
         </p:nvSpPr>
         <p:spPr>
           <a:xfrm>
-            <a:off x="6172200" y="1681163"/>
-            <a:ext cx="5183188" cy="823912"/>
+            <a:off x="6925241" y="1681163"/>
+            <a:ext cx="5815564" cy="823912"/>
           </a:xfrm>
         </p:spPr>
         <p:txBody>
@@ -1727,13 +1536,7 @@
       </p:sp>
       <p:sp>
         <p:nvSpPr>
-          <p:cNvPr id="6" name="内容占位符 5">
-            <a:extLst>
-              <a:ext uri="{FF2B5EF4-FFF2-40B4-BE49-F238E27FC236}">
-                <a16:creationId xmlns:a16="http://schemas.microsoft.com/office/drawing/2014/main" id="{641F9692-9988-5BB4-0E6D-360D255AE45A}"/>
-              </a:ext>
-            </a:extLst>
-          </p:cNvPr>
+          <p:cNvPr id="6" name="Content Placeholder 5"/>
           <p:cNvSpPr>
             <a:spLocks noGrp="1"/>
           </p:cNvSpPr>
@@ -1743,8 +1546,8 @@
         </p:nvSpPr>
         <p:spPr>
           <a:xfrm>
-            <a:off x="6172200" y="2505075"/>
-            <a:ext cx="5183188" cy="3684588"/>
+            <a:off x="6925241" y="2505075"/>
+            <a:ext cx="5815564" cy="3684588"/>
           </a:xfrm>
         </p:spPr>
         <p:txBody>
@@ -1784,18 +1587,13 @@
               <a:rPr lang="zh-CN" altLang="en-US"/>
               <a:t>五级</a:t>
             </a:r>
-          </a:p>
-        </p:txBody>
-      </p:sp>
-      <p:sp>
-        <p:nvSpPr>
-          <p:cNvPr id="7" name="日期占位符 6">
-            <a:extLst>
-              <a:ext uri="{FF2B5EF4-FFF2-40B4-BE49-F238E27FC236}">
-                <a16:creationId xmlns:a16="http://schemas.microsoft.com/office/drawing/2014/main" id="{46FCAE74-9C09-AAC3-6365-F7C82DF9E99D}"/>
-              </a:ext>
-            </a:extLst>
-          </p:cNvPr>
+            <a:endParaRPr lang="en-US" dirty="0"/>
+          </a:p>
+        </p:txBody>
+      </p:sp>
+      <p:sp>
+        <p:nvSpPr>
+          <p:cNvPr id="7" name="Date Placeholder 6"/>
           <p:cNvSpPr>
             <a:spLocks noGrp="1"/>
           </p:cNvSpPr>
@@ -1818,13 +1616,7 @@
       </p:sp>
       <p:sp>
         <p:nvSpPr>
-          <p:cNvPr id="8" name="页脚占位符 7">
-            <a:extLst>
-              <a:ext uri="{FF2B5EF4-FFF2-40B4-BE49-F238E27FC236}">
-                <a16:creationId xmlns:a16="http://schemas.microsoft.com/office/drawing/2014/main" id="{13D94649-BACD-27B4-51BA-2EEE4557FBFE}"/>
-              </a:ext>
-            </a:extLst>
-          </p:cNvPr>
+          <p:cNvPr id="8" name="Footer Placeholder 7"/>
           <p:cNvSpPr>
             <a:spLocks noGrp="1"/>
           </p:cNvSpPr>
@@ -1843,13 +1635,7 @@
       </p:sp>
       <p:sp>
         <p:nvSpPr>
-          <p:cNvPr id="9" name="灯片编号占位符 8">
-            <a:extLst>
-              <a:ext uri="{FF2B5EF4-FFF2-40B4-BE49-F238E27FC236}">
-                <a16:creationId xmlns:a16="http://schemas.microsoft.com/office/drawing/2014/main" id="{BE68E235-7491-0186-F115-F7D61E6207A0}"/>
-              </a:ext>
-            </a:extLst>
-          </p:cNvPr>
+          <p:cNvPr id="9" name="Slide Number Placeholder 8"/>
           <p:cNvSpPr>
             <a:spLocks noGrp="1"/>
           </p:cNvSpPr>
@@ -1873,7 +1659,7 @@
     </p:spTree>
     <p:extLst>
       <p:ext uri="{BB962C8B-B14F-4D97-AF65-F5344CB8AC3E}">
-        <p14:creationId xmlns:p14="http://schemas.microsoft.com/office/powerpoint/2010/main" val="3198301261"/>
+        <p14:creationId xmlns:p14="http://schemas.microsoft.com/office/powerpoint/2010/main" val="3971588299"/>
       </p:ext>
     </p:extLst>
   </p:cSld>
@@ -1902,13 +1688,7 @@
       </p:grpSpPr>
       <p:sp>
         <p:nvSpPr>
-          <p:cNvPr id="2" name="标题 1">
-            <a:extLst>
-              <a:ext uri="{FF2B5EF4-FFF2-40B4-BE49-F238E27FC236}">
-                <a16:creationId xmlns:a16="http://schemas.microsoft.com/office/drawing/2014/main" id="{614BE2A4-EAEA-7455-124C-4C2BCFCF4E5C}"/>
-              </a:ext>
-            </a:extLst>
-          </p:cNvPr>
+          <p:cNvPr id="2" name="Title 1"/>
           <p:cNvSpPr>
             <a:spLocks noGrp="1"/>
           </p:cNvSpPr>
@@ -1925,18 +1705,13 @@
               <a:rPr lang="zh-CN" altLang="en-US"/>
               <a:t>单击此处编辑母版标题样式</a:t>
             </a:r>
-          </a:p>
-        </p:txBody>
-      </p:sp>
-      <p:sp>
-        <p:nvSpPr>
-          <p:cNvPr id="3" name="日期占位符 2">
-            <a:extLst>
-              <a:ext uri="{FF2B5EF4-FFF2-40B4-BE49-F238E27FC236}">
-                <a16:creationId xmlns:a16="http://schemas.microsoft.com/office/drawing/2014/main" id="{005BFB85-0D58-B313-3497-162A2FDBF6BF}"/>
-              </a:ext>
-            </a:extLst>
-          </p:cNvPr>
+            <a:endParaRPr lang="en-US" dirty="0"/>
+          </a:p>
+        </p:txBody>
+      </p:sp>
+      <p:sp>
+        <p:nvSpPr>
+          <p:cNvPr id="3" name="Date Placeholder 2"/>
           <p:cNvSpPr>
             <a:spLocks noGrp="1"/>
           </p:cNvSpPr>
@@ -1959,13 +1734,7 @@
       </p:sp>
       <p:sp>
         <p:nvSpPr>
-          <p:cNvPr id="4" name="页脚占位符 3">
-            <a:extLst>
-              <a:ext uri="{FF2B5EF4-FFF2-40B4-BE49-F238E27FC236}">
-                <a16:creationId xmlns:a16="http://schemas.microsoft.com/office/drawing/2014/main" id="{F1287440-C438-D724-9011-2BC752CB1C4C}"/>
-              </a:ext>
-            </a:extLst>
-          </p:cNvPr>
+          <p:cNvPr id="4" name="Footer Placeholder 3"/>
           <p:cNvSpPr>
             <a:spLocks noGrp="1"/>
           </p:cNvSpPr>
@@ -1984,13 +1753,7 @@
       </p:sp>
       <p:sp>
         <p:nvSpPr>
-          <p:cNvPr id="5" name="灯片编号占位符 4">
-            <a:extLst>
-              <a:ext uri="{FF2B5EF4-FFF2-40B4-BE49-F238E27FC236}">
-                <a16:creationId xmlns:a16="http://schemas.microsoft.com/office/drawing/2014/main" id="{0A7F22B4-673F-910D-A98D-213D571972D9}"/>
-              </a:ext>
-            </a:extLst>
-          </p:cNvPr>
+          <p:cNvPr id="5" name="Slide Number Placeholder 4"/>
           <p:cNvSpPr>
             <a:spLocks noGrp="1"/>
           </p:cNvSpPr>
@@ -2014,7 +1777,7 @@
     </p:spTree>
     <p:extLst>
       <p:ext uri="{BB962C8B-B14F-4D97-AF65-F5344CB8AC3E}">
-        <p14:creationId xmlns:p14="http://schemas.microsoft.com/office/powerpoint/2010/main" val="1828382733"/>
+        <p14:creationId xmlns:p14="http://schemas.microsoft.com/office/powerpoint/2010/main" val="3632341301"/>
       </p:ext>
     </p:extLst>
   </p:cSld>
@@ -2043,13 +1806,7 @@
       </p:grpSpPr>
       <p:sp>
         <p:nvSpPr>
-          <p:cNvPr id="2" name="日期占位符 1">
-            <a:extLst>
-              <a:ext uri="{FF2B5EF4-FFF2-40B4-BE49-F238E27FC236}">
-                <a16:creationId xmlns:a16="http://schemas.microsoft.com/office/drawing/2014/main" id="{EBB2528E-FFB2-94FF-22D3-0AE3F51C3C6F}"/>
-              </a:ext>
-            </a:extLst>
-          </p:cNvPr>
+          <p:cNvPr id="2" name="Date Placeholder 1"/>
           <p:cNvSpPr>
             <a:spLocks noGrp="1"/>
           </p:cNvSpPr>
@@ -2072,13 +1829,7 @@
       </p:sp>
       <p:sp>
         <p:nvSpPr>
-          <p:cNvPr id="3" name="页脚占位符 2">
-            <a:extLst>
-              <a:ext uri="{FF2B5EF4-FFF2-40B4-BE49-F238E27FC236}">
-                <a16:creationId xmlns:a16="http://schemas.microsoft.com/office/drawing/2014/main" id="{F3391167-2F88-897F-5C2E-99D74F1D4CEE}"/>
-              </a:ext>
-            </a:extLst>
-          </p:cNvPr>
+          <p:cNvPr id="3" name="Footer Placeholder 2"/>
           <p:cNvSpPr>
             <a:spLocks noGrp="1"/>
           </p:cNvSpPr>
@@ -2097,13 +1848,7 @@
       </p:sp>
       <p:sp>
         <p:nvSpPr>
-          <p:cNvPr id="4" name="灯片编号占位符 3">
-            <a:extLst>
-              <a:ext uri="{FF2B5EF4-FFF2-40B4-BE49-F238E27FC236}">
-                <a16:creationId xmlns:a16="http://schemas.microsoft.com/office/drawing/2014/main" id="{6157FB61-88D6-86E2-103A-4CBBCD546C5B}"/>
-              </a:ext>
-            </a:extLst>
-          </p:cNvPr>
+          <p:cNvPr id="4" name="Slide Number Placeholder 3"/>
           <p:cNvSpPr>
             <a:spLocks noGrp="1"/>
           </p:cNvSpPr>
@@ -2127,7 +1872,7 @@
     </p:spTree>
     <p:extLst>
       <p:ext uri="{BB962C8B-B14F-4D97-AF65-F5344CB8AC3E}">
-        <p14:creationId xmlns:p14="http://schemas.microsoft.com/office/powerpoint/2010/main" val="4004013854"/>
+        <p14:creationId xmlns:p14="http://schemas.microsoft.com/office/powerpoint/2010/main" val="4248302219"/>
       </p:ext>
     </p:extLst>
   </p:cSld>
@@ -2156,13 +1901,7 @@
       </p:grpSpPr>
       <p:sp>
         <p:nvSpPr>
-          <p:cNvPr id="2" name="标题 1">
-            <a:extLst>
-              <a:ext uri="{FF2B5EF4-FFF2-40B4-BE49-F238E27FC236}">
-                <a16:creationId xmlns:a16="http://schemas.microsoft.com/office/drawing/2014/main" id="{DAA69C41-1EBF-FDA1-2A26-F6CAF0E0EDA9}"/>
-              </a:ext>
-            </a:extLst>
-          </p:cNvPr>
+          <p:cNvPr id="2" name="Title 1"/>
           <p:cNvSpPr>
             <a:spLocks noGrp="1"/>
           </p:cNvSpPr>
@@ -2172,8 +1911,8 @@
         </p:nvSpPr>
         <p:spPr>
           <a:xfrm>
-            <a:off x="839788" y="457200"/>
-            <a:ext cx="3932237" cy="1600200"/>
+            <a:off x="942247" y="457200"/>
+            <a:ext cx="4411991" cy="1600200"/>
           </a:xfrm>
         </p:spPr>
         <p:txBody>
@@ -2188,18 +1927,13 @@
               <a:rPr lang="zh-CN" altLang="en-US"/>
               <a:t>单击此处编辑母版标题样式</a:t>
             </a:r>
-          </a:p>
-        </p:txBody>
-      </p:sp>
-      <p:sp>
-        <p:nvSpPr>
-          <p:cNvPr id="3" name="内容占位符 2">
-            <a:extLst>
-              <a:ext uri="{FF2B5EF4-FFF2-40B4-BE49-F238E27FC236}">
-                <a16:creationId xmlns:a16="http://schemas.microsoft.com/office/drawing/2014/main" id="{2B1C232F-E3DB-7B85-0566-4B49DB681130}"/>
-              </a:ext>
-            </a:extLst>
-          </p:cNvPr>
+            <a:endParaRPr lang="en-US" dirty="0"/>
+          </a:p>
+        </p:txBody>
+      </p:sp>
+      <p:sp>
+        <p:nvSpPr>
+          <p:cNvPr id="3" name="Content Placeholder 2"/>
           <p:cNvSpPr>
             <a:spLocks noGrp="1"/>
           </p:cNvSpPr>
@@ -2209,8 +1943,8 @@
         </p:nvSpPr>
         <p:spPr>
           <a:xfrm>
-            <a:off x="5183188" y="987425"/>
-            <a:ext cx="6172200" cy="4873625"/>
+            <a:off x="5815564" y="987426"/>
+            <a:ext cx="6925241" cy="4873625"/>
           </a:xfrm>
         </p:spPr>
         <p:txBody>
@@ -2278,18 +2012,13 @@
               <a:rPr lang="zh-CN" altLang="en-US"/>
               <a:t>五级</a:t>
             </a:r>
-          </a:p>
-        </p:txBody>
-      </p:sp>
-      <p:sp>
-        <p:nvSpPr>
-          <p:cNvPr id="4" name="文本占位符 3">
-            <a:extLst>
-              <a:ext uri="{FF2B5EF4-FFF2-40B4-BE49-F238E27FC236}">
-                <a16:creationId xmlns:a16="http://schemas.microsoft.com/office/drawing/2014/main" id="{883749F2-20E6-DCE1-BD0F-E58F79264D73}"/>
-              </a:ext>
-            </a:extLst>
-          </p:cNvPr>
+            <a:endParaRPr lang="en-US" dirty="0"/>
+          </a:p>
+        </p:txBody>
+      </p:sp>
+      <p:sp>
+        <p:nvSpPr>
+          <p:cNvPr id="4" name="Text Placeholder 3"/>
           <p:cNvSpPr>
             <a:spLocks noGrp="1"/>
           </p:cNvSpPr>
@@ -2299,8 +2028,8 @@
         </p:nvSpPr>
         <p:spPr>
           <a:xfrm>
-            <a:off x="839788" y="2057400"/>
-            <a:ext cx="3932237" cy="3811588"/>
+            <a:off x="942247" y="2057400"/>
+            <a:ext cx="4411991" cy="3811588"/>
           </a:xfrm>
         </p:spPr>
         <p:txBody>
@@ -2354,13 +2083,7 @@
       </p:sp>
       <p:sp>
         <p:nvSpPr>
-          <p:cNvPr id="5" name="日期占位符 4">
-            <a:extLst>
-              <a:ext uri="{FF2B5EF4-FFF2-40B4-BE49-F238E27FC236}">
-                <a16:creationId xmlns:a16="http://schemas.microsoft.com/office/drawing/2014/main" id="{1FBA2AF1-590E-6D73-8D33-5BA4D0E7DE76}"/>
-              </a:ext>
-            </a:extLst>
-          </p:cNvPr>
+          <p:cNvPr id="5" name="Date Placeholder 4"/>
           <p:cNvSpPr>
             <a:spLocks noGrp="1"/>
           </p:cNvSpPr>
@@ -2383,13 +2106,7 @@
       </p:sp>
       <p:sp>
         <p:nvSpPr>
-          <p:cNvPr id="6" name="页脚占位符 5">
-            <a:extLst>
-              <a:ext uri="{FF2B5EF4-FFF2-40B4-BE49-F238E27FC236}">
-                <a16:creationId xmlns:a16="http://schemas.microsoft.com/office/drawing/2014/main" id="{26217F64-4AA6-C6C3-313D-EBC70A3B1445}"/>
-              </a:ext>
-            </a:extLst>
-          </p:cNvPr>
+          <p:cNvPr id="6" name="Footer Placeholder 5"/>
           <p:cNvSpPr>
             <a:spLocks noGrp="1"/>
           </p:cNvSpPr>
@@ -2408,13 +2125,7 @@
       </p:sp>
       <p:sp>
         <p:nvSpPr>
-          <p:cNvPr id="7" name="灯片编号占位符 6">
-            <a:extLst>
-              <a:ext uri="{FF2B5EF4-FFF2-40B4-BE49-F238E27FC236}">
-                <a16:creationId xmlns:a16="http://schemas.microsoft.com/office/drawing/2014/main" id="{65B0E716-7839-12E4-D18C-579F3708D0BD}"/>
-              </a:ext>
-            </a:extLst>
-          </p:cNvPr>
+          <p:cNvPr id="7" name="Slide Number Placeholder 6"/>
           <p:cNvSpPr>
             <a:spLocks noGrp="1"/>
           </p:cNvSpPr>
@@ -2438,7 +2149,7 @@
     </p:spTree>
     <p:extLst>
       <p:ext uri="{BB962C8B-B14F-4D97-AF65-F5344CB8AC3E}">
-        <p14:creationId xmlns:p14="http://schemas.microsoft.com/office/powerpoint/2010/main" val="2987904594"/>
+        <p14:creationId xmlns:p14="http://schemas.microsoft.com/office/powerpoint/2010/main" val="734128359"/>
       </p:ext>
     </p:extLst>
   </p:cSld>
@@ -2467,13 +2178,7 @@
       </p:grpSpPr>
       <p:sp>
         <p:nvSpPr>
-          <p:cNvPr id="2" name="标题 1">
-            <a:extLst>
-              <a:ext uri="{FF2B5EF4-FFF2-40B4-BE49-F238E27FC236}">
-                <a16:creationId xmlns:a16="http://schemas.microsoft.com/office/drawing/2014/main" id="{1B64FB3A-3280-8541-93DF-13566839D53A}"/>
-              </a:ext>
-            </a:extLst>
-          </p:cNvPr>
+          <p:cNvPr id="2" name="Title 1"/>
           <p:cNvSpPr>
             <a:spLocks noGrp="1"/>
           </p:cNvSpPr>
@@ -2483,8 +2188,8 @@
         </p:nvSpPr>
         <p:spPr>
           <a:xfrm>
-            <a:off x="839788" y="457200"/>
-            <a:ext cx="3932237" cy="1600200"/>
+            <a:off x="942247" y="457200"/>
+            <a:ext cx="4411991" cy="1600200"/>
           </a:xfrm>
         </p:spPr>
         <p:txBody>
@@ -2499,20 +2204,15 @@
               <a:rPr lang="zh-CN" altLang="en-US"/>
               <a:t>单击此处编辑母版标题样式</a:t>
             </a:r>
-          </a:p>
-        </p:txBody>
-      </p:sp>
-      <p:sp>
-        <p:nvSpPr>
-          <p:cNvPr id="3" name="图片占位符 2">
-            <a:extLst>
-              <a:ext uri="{FF2B5EF4-FFF2-40B4-BE49-F238E27FC236}">
-                <a16:creationId xmlns:a16="http://schemas.microsoft.com/office/drawing/2014/main" id="{28412AA6-23F6-6B36-F9F9-4E4C960031FD}"/>
-              </a:ext>
-            </a:extLst>
-          </p:cNvPr>
-          <p:cNvSpPr>
-            <a:spLocks noGrp="1"/>
+            <a:endParaRPr lang="en-US" dirty="0"/>
+          </a:p>
+        </p:txBody>
+      </p:sp>
+      <p:sp>
+        <p:nvSpPr>
+          <p:cNvPr id="3" name="Picture Placeholder 2"/>
+          <p:cNvSpPr>
+            <a:spLocks noGrp="1" noChangeAspect="1"/>
           </p:cNvSpPr>
           <p:nvPr>
             <p:ph type="pic" idx="1"/>
@@ -2520,12 +2220,12 @@
         </p:nvSpPr>
         <p:spPr>
           <a:xfrm>
-            <a:off x="5183188" y="987425"/>
-            <a:ext cx="6172200" cy="4873625"/>
+            <a:off x="5815564" y="987426"/>
+            <a:ext cx="6925241" cy="4873625"/>
           </a:xfrm>
         </p:spPr>
         <p:txBody>
-          <a:bodyPr/>
+          <a:bodyPr anchor="t"/>
           <a:lstStyle>
             <a:lvl1pPr marL="0" indent="0">
               <a:buNone/>
@@ -2565,19 +2265,17 @@
             </a:lvl9pPr>
           </a:lstStyle>
           <a:p>
-            <a:endParaRPr lang="zh-CN" altLang="en-US"/>
-          </a:p>
-        </p:txBody>
-      </p:sp>
-      <p:sp>
-        <p:nvSpPr>
-          <p:cNvPr id="4" name="文本占位符 3">
-            <a:extLst>
-              <a:ext uri="{FF2B5EF4-FFF2-40B4-BE49-F238E27FC236}">
-                <a16:creationId xmlns:a16="http://schemas.microsoft.com/office/drawing/2014/main" id="{EAD7A308-FA2F-CFC0-6935-4C2AAFEE2090}"/>
-              </a:ext>
-            </a:extLst>
-          </p:cNvPr>
+            <a:r>
+              <a:rPr lang="zh-CN" altLang="en-US"/>
+              <a:t>单击图标添加图片</a:t>
+            </a:r>
+            <a:endParaRPr lang="en-US" dirty="0"/>
+          </a:p>
+        </p:txBody>
+      </p:sp>
+      <p:sp>
+        <p:nvSpPr>
+          <p:cNvPr id="4" name="Text Placeholder 3"/>
           <p:cNvSpPr>
             <a:spLocks noGrp="1"/>
           </p:cNvSpPr>
@@ -2587,8 +2285,8 @@
         </p:nvSpPr>
         <p:spPr>
           <a:xfrm>
-            <a:off x="839788" y="2057400"/>
-            <a:ext cx="3932237" cy="3811588"/>
+            <a:off x="942247" y="2057400"/>
+            <a:ext cx="4411991" cy="3811588"/>
           </a:xfrm>
         </p:spPr>
         <p:txBody>
@@ -2642,13 +2340,7 @@
       </p:sp>
       <p:sp>
         <p:nvSpPr>
-          <p:cNvPr id="5" name="日期占位符 4">
-            <a:extLst>
-              <a:ext uri="{FF2B5EF4-FFF2-40B4-BE49-F238E27FC236}">
-                <a16:creationId xmlns:a16="http://schemas.microsoft.com/office/drawing/2014/main" id="{16129D21-D856-5CB1-5A63-D3CEF69C028B}"/>
-              </a:ext>
-            </a:extLst>
-          </p:cNvPr>
+          <p:cNvPr id="5" name="Date Placeholder 4"/>
           <p:cNvSpPr>
             <a:spLocks noGrp="1"/>
           </p:cNvSpPr>
@@ -2671,13 +2363,7 @@
       </p:sp>
       <p:sp>
         <p:nvSpPr>
-          <p:cNvPr id="6" name="页脚占位符 5">
-            <a:extLst>
-              <a:ext uri="{FF2B5EF4-FFF2-40B4-BE49-F238E27FC236}">
-                <a16:creationId xmlns:a16="http://schemas.microsoft.com/office/drawing/2014/main" id="{DABBF91E-5EA8-92EA-EA99-6906A99D1B4B}"/>
-              </a:ext>
-            </a:extLst>
-          </p:cNvPr>
+          <p:cNvPr id="6" name="Footer Placeholder 5"/>
           <p:cNvSpPr>
             <a:spLocks noGrp="1"/>
           </p:cNvSpPr>
@@ -2696,13 +2382,7 @@
       </p:sp>
       <p:sp>
         <p:nvSpPr>
-          <p:cNvPr id="7" name="灯片编号占位符 6">
-            <a:extLst>
-              <a:ext uri="{FF2B5EF4-FFF2-40B4-BE49-F238E27FC236}">
-                <a16:creationId xmlns:a16="http://schemas.microsoft.com/office/drawing/2014/main" id="{DF815A62-7493-9589-3D1F-365DE234984D}"/>
-              </a:ext>
-            </a:extLst>
-          </p:cNvPr>
+          <p:cNvPr id="7" name="Slide Number Placeholder 6"/>
           <p:cNvSpPr>
             <a:spLocks noGrp="1"/>
           </p:cNvSpPr>
@@ -2726,7 +2406,7 @@
     </p:spTree>
     <p:extLst>
       <p:ext uri="{BB962C8B-B14F-4D97-AF65-F5344CB8AC3E}">
-        <p14:creationId xmlns:p14="http://schemas.microsoft.com/office/powerpoint/2010/main" val="3960301749"/>
+        <p14:creationId xmlns:p14="http://schemas.microsoft.com/office/powerpoint/2010/main" val="3535734808"/>
       </p:ext>
     </p:extLst>
   </p:cSld>
@@ -2760,13 +2440,7 @@
       </p:grpSpPr>
       <p:sp>
         <p:nvSpPr>
-          <p:cNvPr id="2" name="标题占位符 1">
-            <a:extLst>
-              <a:ext uri="{FF2B5EF4-FFF2-40B4-BE49-F238E27FC236}">
-                <a16:creationId xmlns:a16="http://schemas.microsoft.com/office/drawing/2014/main" id="{D375FC5D-06E1-A66B-CAE5-142D4C14C76C}"/>
-              </a:ext>
-            </a:extLst>
-          </p:cNvPr>
+          <p:cNvPr id="2" name="Title Placeholder 1"/>
           <p:cNvSpPr>
             <a:spLocks noGrp="1"/>
           </p:cNvSpPr>
@@ -2776,8 +2450,8 @@
         </p:nvSpPr>
         <p:spPr>
           <a:xfrm>
-            <a:off x="838200" y="365125"/>
-            <a:ext cx="10515600" cy="1325563"/>
+            <a:off x="940465" y="365126"/>
+            <a:ext cx="11798558" cy="1325563"/>
           </a:xfrm>
           <a:prstGeom prst="rect">
             <a:avLst/>
@@ -2793,18 +2467,13 @@
               <a:rPr lang="zh-CN" altLang="en-US"/>
               <a:t>单击此处编辑母版标题样式</a:t>
             </a:r>
-          </a:p>
-        </p:txBody>
-      </p:sp>
-      <p:sp>
-        <p:nvSpPr>
-          <p:cNvPr id="3" name="文本占位符 2">
-            <a:extLst>
-              <a:ext uri="{FF2B5EF4-FFF2-40B4-BE49-F238E27FC236}">
-                <a16:creationId xmlns:a16="http://schemas.microsoft.com/office/drawing/2014/main" id="{1747E8EE-2336-A268-1A61-42220B630A7E}"/>
-              </a:ext>
-            </a:extLst>
-          </p:cNvPr>
+            <a:endParaRPr lang="en-US" dirty="0"/>
+          </a:p>
+        </p:txBody>
+      </p:sp>
+      <p:sp>
+        <p:nvSpPr>
+          <p:cNvPr id="3" name="Text Placeholder 2"/>
           <p:cNvSpPr>
             <a:spLocks noGrp="1"/>
           </p:cNvSpPr>
@@ -2814,8 +2483,8 @@
         </p:nvSpPr>
         <p:spPr>
           <a:xfrm>
-            <a:off x="838200" y="1825625"/>
-            <a:ext cx="10515600" cy="4351338"/>
+            <a:off x="940465" y="1825625"/>
+            <a:ext cx="11798558" cy="4351338"/>
           </a:xfrm>
           <a:prstGeom prst="rect">
             <a:avLst/>
@@ -2860,18 +2529,13 @@
               <a:rPr lang="zh-CN" altLang="en-US"/>
               <a:t>五级</a:t>
             </a:r>
-          </a:p>
-        </p:txBody>
-      </p:sp>
-      <p:sp>
-        <p:nvSpPr>
-          <p:cNvPr id="4" name="日期占位符 3">
-            <a:extLst>
-              <a:ext uri="{FF2B5EF4-FFF2-40B4-BE49-F238E27FC236}">
-                <a16:creationId xmlns:a16="http://schemas.microsoft.com/office/drawing/2014/main" id="{4B7C4B33-4506-845D-2441-C29D7BB02002}"/>
-              </a:ext>
-            </a:extLst>
-          </p:cNvPr>
+            <a:endParaRPr lang="en-US" dirty="0"/>
+          </a:p>
+        </p:txBody>
+      </p:sp>
+      <p:sp>
+        <p:nvSpPr>
+          <p:cNvPr id="4" name="Date Placeholder 3"/>
           <p:cNvSpPr>
             <a:spLocks noGrp="1"/>
           </p:cNvSpPr>
@@ -2881,8 +2545,8 @@
         </p:nvSpPr>
         <p:spPr>
           <a:xfrm>
-            <a:off x="838200" y="6356350"/>
-            <a:ext cx="2743200" cy="365125"/>
+            <a:off x="940465" y="6356351"/>
+            <a:ext cx="3077885" cy="365125"/>
           </a:xfrm>
           <a:prstGeom prst="rect">
             <a:avLst/>
@@ -2912,13 +2576,7 @@
       </p:sp>
       <p:sp>
         <p:nvSpPr>
-          <p:cNvPr id="5" name="页脚占位符 4">
-            <a:extLst>
-              <a:ext uri="{FF2B5EF4-FFF2-40B4-BE49-F238E27FC236}">
-                <a16:creationId xmlns:a16="http://schemas.microsoft.com/office/drawing/2014/main" id="{7AAB1E14-086A-1CED-F84C-863F31DDC6A5}"/>
-              </a:ext>
-            </a:extLst>
-          </p:cNvPr>
+          <p:cNvPr id="5" name="Footer Placeholder 4"/>
           <p:cNvSpPr>
             <a:spLocks noGrp="1"/>
           </p:cNvSpPr>
@@ -2928,8 +2586,8 @@
         </p:nvSpPr>
         <p:spPr>
           <a:xfrm>
-            <a:off x="4038600" y="6356350"/>
-            <a:ext cx="4114800" cy="365125"/>
+            <a:off x="4531331" y="6356351"/>
+            <a:ext cx="4616827" cy="365125"/>
           </a:xfrm>
           <a:prstGeom prst="rect">
             <a:avLst/>
@@ -2955,13 +2613,7 @@
       </p:sp>
       <p:sp>
         <p:nvSpPr>
-          <p:cNvPr id="6" name="灯片编号占位符 5">
-            <a:extLst>
-              <a:ext uri="{FF2B5EF4-FFF2-40B4-BE49-F238E27FC236}">
-                <a16:creationId xmlns:a16="http://schemas.microsoft.com/office/drawing/2014/main" id="{A388BC3B-2FA3-2DE7-E0A1-D3D6F6315153}"/>
-              </a:ext>
-            </a:extLst>
-          </p:cNvPr>
+          <p:cNvPr id="6" name="Slide Number Placeholder 5"/>
           <p:cNvSpPr>
             <a:spLocks noGrp="1"/>
           </p:cNvSpPr>
@@ -2971,8 +2623,8 @@
         </p:nvSpPr>
         <p:spPr>
           <a:xfrm>
-            <a:off x="8610600" y="6356350"/>
-            <a:ext cx="2743200" cy="365125"/>
+            <a:off x="9661138" y="6356351"/>
+            <a:ext cx="3077885" cy="365125"/>
           </a:xfrm>
           <a:prstGeom prst="rect">
             <a:avLst/>
@@ -3003,23 +2655,23 @@
     </p:spTree>
     <p:extLst>
       <p:ext uri="{BB962C8B-B14F-4D97-AF65-F5344CB8AC3E}">
-        <p14:creationId xmlns:p14="http://schemas.microsoft.com/office/powerpoint/2010/main" val="2030594627"/>
+        <p14:creationId xmlns:p14="http://schemas.microsoft.com/office/powerpoint/2010/main" val="628687126"/>
       </p:ext>
     </p:extLst>
   </p:cSld>
   <p:clrMap bg1="lt1" tx1="dk1" bg2="lt2" tx2="dk2" accent1="accent1" accent2="accent2" accent3="accent3" accent4="accent4" accent5="accent5" accent6="accent6" hlink="hlink" folHlink="folHlink"/>
   <p:sldLayoutIdLst>
-    <p:sldLayoutId id="2147483649" r:id="rId1"/>
-    <p:sldLayoutId id="2147483650" r:id="rId2"/>
-    <p:sldLayoutId id="2147483651" r:id="rId3"/>
-    <p:sldLayoutId id="2147483652" r:id="rId4"/>
-    <p:sldLayoutId id="2147483653" r:id="rId5"/>
-    <p:sldLayoutId id="2147483654" r:id="rId6"/>
-    <p:sldLayoutId id="2147483655" r:id="rId7"/>
-    <p:sldLayoutId id="2147483656" r:id="rId8"/>
-    <p:sldLayoutId id="2147483657" r:id="rId9"/>
-    <p:sldLayoutId id="2147483658" r:id="rId10"/>
-    <p:sldLayoutId id="2147483659" r:id="rId11"/>
+    <p:sldLayoutId id="2147483661" r:id="rId1"/>
+    <p:sldLayoutId id="2147483662" r:id="rId2"/>
+    <p:sldLayoutId id="2147483663" r:id="rId3"/>
+    <p:sldLayoutId id="2147483664" r:id="rId4"/>
+    <p:sldLayoutId id="2147483665" r:id="rId5"/>
+    <p:sldLayoutId id="2147483666" r:id="rId6"/>
+    <p:sldLayoutId id="2147483667" r:id="rId7"/>
+    <p:sldLayoutId id="2147483668" r:id="rId8"/>
+    <p:sldLayoutId id="2147483669" r:id="rId9"/>
+    <p:sldLayoutId id="2147483670" r:id="rId10"/>
+    <p:sldLayoutId id="2147483671" r:id="rId11"/>
   </p:sldLayoutIdLst>
   <p:txStyles>
     <p:titleStyle>
@@ -3207,7 +2859,7 @@
     </p:bodyStyle>
     <p:otherStyle>
       <a:defPPr>
-        <a:defRPr lang="zh-CN"/>
+        <a:defRPr lang="en-US"/>
       </a:defPPr>
       <a:lvl1pPr marL="0" algn="l" defTabSz="914400" rtl="0" eaLnBrk="1" latinLnBrk="0" hangingPunct="1">
         <a:defRPr sz="1800" kern="1200">
@@ -3323,10 +2975,10 @@
       </p:grpSpPr>
       <p:pic>
         <p:nvPicPr>
-          <p:cNvPr id="5" name="图片 4">
+          <p:cNvPr id="3" name="图片 2">
             <a:extLst>
               <a:ext uri="{FF2B5EF4-FFF2-40B4-BE49-F238E27FC236}">
-                <a16:creationId xmlns:a16="http://schemas.microsoft.com/office/drawing/2014/main" id="{67280282-3522-2ABA-3DC1-2DBD028D93BE}"/>
+                <a16:creationId xmlns:a16="http://schemas.microsoft.com/office/drawing/2014/main" id="{3E512901-C6B4-ACBB-F26D-6EF37443A728}"/>
               </a:ext>
             </a:extLst>
           </p:cNvPr>
@@ -3343,8 +2995,8 @@
         </p:blipFill>
         <p:spPr>
           <a:xfrm>
-            <a:off x="319613" y="2079494"/>
-            <a:ext cx="5494937" cy="2466784"/>
+            <a:off x="413214" y="1854304"/>
+            <a:ext cx="6426530" cy="2914800"/>
           </a:xfrm>
           <a:prstGeom prst="rect">
             <a:avLst/>
@@ -3353,10 +3005,10 @@
       </p:pic>
       <p:pic>
         <p:nvPicPr>
-          <p:cNvPr id="7" name="图片 6">
+          <p:cNvPr id="6" name="图片 5">
             <a:extLst>
               <a:ext uri="{FF2B5EF4-FFF2-40B4-BE49-F238E27FC236}">
-                <a16:creationId xmlns:a16="http://schemas.microsoft.com/office/drawing/2014/main" id="{084ABEAF-7F5E-7E47-6835-0531243510D8}"/>
+                <a16:creationId xmlns:a16="http://schemas.microsoft.com/office/drawing/2014/main" id="{EB7E34C9-B188-430C-A26A-E1E27E47C1A3}"/>
               </a:ext>
             </a:extLst>
           </p:cNvPr>
@@ -3373,8 +3025,8 @@
         </p:blipFill>
         <p:spPr>
           <a:xfrm>
-            <a:off x="5937921" y="2354781"/>
-            <a:ext cx="5559711" cy="1916211"/>
+            <a:off x="6936038" y="2285941"/>
+            <a:ext cx="6496384" cy="2286117"/>
           </a:xfrm>
           <a:prstGeom prst="rect">
             <a:avLst/>
@@ -3397,7 +3049,7 @@
 <file path=ppt/theme/theme1.xml><?xml version="1.0" encoding="utf-8"?>
 <a:theme xmlns:a="http://schemas.openxmlformats.org/drawingml/2006/main" name="Office 主题​​">
   <a:themeElements>
-    <a:clrScheme name="Office">
+    <a:clrScheme name="Office 主题​​">
       <a:dk1>
         <a:sysClr val="windowText" lastClr="000000"/>
       </a:dk1>
@@ -3435,9 +3087,9 @@
         <a:srgbClr val="96607D"/>
       </a:folHlink>
     </a:clrScheme>
-    <a:fontScheme name="Office">
+    <a:fontScheme name="Office 主题​​">
       <a:majorFont>
-        <a:latin typeface="等线 Light" panose="02110004020202020204"/>
+        <a:latin typeface="Aptos Display" panose="02110004020202020204"/>
         <a:ea typeface=""/>
         <a:cs typeface=""/>
         <a:font script="Jpan" typeface="游ゴシック Light"/>
@@ -3489,7 +3141,7 @@
         <a:font script="Tfng" typeface="Ebrima"/>
       </a:majorFont>
       <a:minorFont>
-        <a:latin typeface="等线" panose="02110004020202020204"/>
+        <a:latin typeface="Aptos" panose="02110004020202020204"/>
         <a:ea typeface=""/>
         <a:cs typeface=""/>
         <a:font script="Jpan" typeface="游ゴシック"/>
@@ -3541,7 +3193,7 @@
         <a:font script="Tfng" typeface="Ebrima"/>
       </a:minorFont>
     </a:fontScheme>
-    <a:fmtScheme name="Office">
+    <a:fmtScheme name="Office 主题​​">
       <a:fillStyleLst>
         <a:solidFill>
           <a:schemeClr val="phClr"/>

--- a/images/experimental_results.pptx
+++ b/images/experimental_results.pptx
@@ -2975,10 +2975,10 @@
       </p:grpSpPr>
       <p:pic>
         <p:nvPicPr>
-          <p:cNvPr id="3" name="图片 2">
+          <p:cNvPr id="4" name="图片 3">
             <a:extLst>
               <a:ext uri="{FF2B5EF4-FFF2-40B4-BE49-F238E27FC236}">
-                <a16:creationId xmlns:a16="http://schemas.microsoft.com/office/drawing/2014/main" id="{3E512901-C6B4-ACBB-F26D-6EF37443A728}"/>
+                <a16:creationId xmlns:a16="http://schemas.microsoft.com/office/drawing/2014/main" id="{536E3F8F-E7D1-2D10-5686-D65FA9D85B2A}"/>
               </a:ext>
             </a:extLst>
           </p:cNvPr>
@@ -2995,8 +2995,8 @@
         </p:blipFill>
         <p:spPr>
           <a:xfrm>
-            <a:off x="413214" y="1854304"/>
-            <a:ext cx="6426530" cy="2914800"/>
+            <a:off x="246581" y="1833095"/>
+            <a:ext cx="6343976" cy="2861457"/>
           </a:xfrm>
           <a:prstGeom prst="rect">
             <a:avLst/>
@@ -3005,10 +3005,10 @@
       </p:pic>
       <p:pic>
         <p:nvPicPr>
-          <p:cNvPr id="6" name="图片 5">
+          <p:cNvPr id="7" name="图片 6">
             <a:extLst>
               <a:ext uri="{FF2B5EF4-FFF2-40B4-BE49-F238E27FC236}">
-                <a16:creationId xmlns:a16="http://schemas.microsoft.com/office/drawing/2014/main" id="{EB7E34C9-B188-430C-A26A-E1E27E47C1A3}"/>
+                <a16:creationId xmlns:a16="http://schemas.microsoft.com/office/drawing/2014/main" id="{D310BC21-3C0C-6CE9-30E9-65AFC6B0BA7B}"/>
               </a:ext>
             </a:extLst>
           </p:cNvPr>
@@ -3025,8 +3025,8 @@
         </p:blipFill>
         <p:spPr>
           <a:xfrm>
-            <a:off x="6936038" y="2285941"/>
-            <a:ext cx="6496384" cy="2286117"/>
+            <a:off x="6677184" y="2312612"/>
+            <a:ext cx="6439231" cy="2232775"/>
           </a:xfrm>
           <a:prstGeom prst="rect">
             <a:avLst/>
